--- a/XII class/DB - Module 3/02. Въведение в ИС/Въведение в информационните системи.pptx
+++ b/XII class/DB - Module 3/02. Въведение в ИС/Въведение в информационните системи.pptx
@@ -116,6 +116,11 @@
       </a:defRPr>
     </a:lvl9pPr>
   </p:defaultTextStyle>
+  <p:extLst>
+    <p:ext uri="{EFAFB233-063F-42B5-8137-9DF3F51BA10A}">
+      <p15:sldGuideLst xmlns:p15="http://schemas.microsoft.com/office/powerpoint/2012/main"/>
+    </p:ext>
+  </p:extLst>
 </p:presentation>
 </file>
 
@@ -6776,7 +6781,15 @@
             </a:r>
             <a:r>
               <a:rPr lang="bg-BG" sz="2000" dirty="0"/>
-              <a:t>представляват организиран и форматиран изглед на данните, извлечени от заявката. Те представят даннитевъв формат, който по удобен за четене и анализ.</a:t>
+              <a:t>представляват организиран и форматиран изглед на данните, извлечени от заявката. Те </a:t>
+            </a:r>
+            <a:r>
+              <a:rPr lang="bg-BG" sz="2000"/>
+              <a:t>представят данните във </a:t>
+            </a:r>
+            <a:r>
+              <a:rPr lang="bg-BG" sz="2000" dirty="0"/>
+              <a:t>формат, който по удобен за четене и анализ.</a:t>
             </a:r>
             <a:endParaRPr lang="en-GB" sz="2000" dirty="0"/>
           </a:p>
@@ -6800,7 +6813,7 @@
               <a:buNone/>
             </a:pPr>
             <a:r>
-              <a:rPr lang="bg-BG" sz="2000"/>
+              <a:rPr lang="bg-BG" sz="2000" dirty="0"/>
               <a:t>Отчетите може да бъдат създадени по много начини, единият от които е с помоща на заявки.</a:t>
             </a:r>
           </a:p>
@@ -9138,7 +9151,7 @@
                   <a:schemeClr val="accent4"/>
                 </a:solidFill>
               </a:rPr>
-              <a:t> лесна употеба;</a:t>
+              <a:t> лесна употреба;</a:t>
             </a:r>
           </a:p>
           <a:p>
@@ -9644,7 +9657,7 @@
                   <a:srgbClr val="FF0000"/>
                 </a:solidFill>
               </a:rPr>
-              <a:t>зависимост между програми и данни – данните се обработват с конкретна програма, която съдържа тяхната дефениция. Промяната на файл с данни води до промяна на всички приложения, които работят с него;</a:t>
+              <a:t>зависимост между програми и данни – данните се обработват с конкретна програма, която съдържа тяхната дефиниция. Промяната на файл с данни води до промяна на всички приложения, които работят с него;</a:t>
             </a:r>
           </a:p>
           <a:p>
@@ -10181,7 +10194,7 @@
             </a:r>
             <a:r>
               <a:rPr lang="bg-BG" sz="2000" dirty="0"/>
-              <a:t>(или само база данни) е колекция от логически свързани данни, структурирани по определен начин така, че лесно да се поддържат и обработват с помощта ан компщтър и бързо да се извлича нужната информация.</a:t>
+              <a:t>(или само база данни) е колекция от логически свързани данни, структурирани по определен начин така, че лесно да се поддържат и обработват с помощта ан компютър и бързо да се извлича нужната информация.</a:t>
             </a:r>
           </a:p>
           <a:p>
@@ -10221,7 +10234,7 @@
             </a:r>
             <a:r>
               <a:rPr lang="bg-BG" sz="2000" dirty="0"/>
-              <a:t>данните се съхраняват на аедно място с минимално излишество;</a:t>
+              <a:t>данните се съхраняват на едно място с минимално излишество;</a:t>
             </a:r>
             <a:endParaRPr lang="bg-BG" sz="2000" dirty="0">
               <a:solidFill>

--- a/XII class/DB - Module 3/02. Въведение в ИС/Въведение в информационните системи.pptx
+++ b/XII class/DB - Module 3/02. Въведение в ИС/Въведение в информационните системи.pptx
@@ -117,6 +117,31 @@
     </a:lvl9pPr>
   </p:defaultTextStyle>
   <p:extLst>
+    <p:ext uri="{521415D9-36F7-43E2-AB2F-B90AF26B5E84}">
+      <p14:sectionLst xmlns:p14="http://schemas.microsoft.com/office/powerpoint/2010/main">
+        <p14:section name="Default Section" id="{A8304671-A1FC-4217-92C6-82CC4120FD57}">
+          <p14:sldIdLst>
+            <p14:sldId id="256"/>
+            <p14:sldId id="257"/>
+            <p14:sldId id="258"/>
+            <p14:sldId id="259"/>
+            <p14:sldId id="260"/>
+            <p14:sldId id="261"/>
+            <p14:sldId id="262"/>
+            <p14:sldId id="263"/>
+            <p14:sldId id="264"/>
+            <p14:sldId id="265"/>
+          </p14:sldIdLst>
+        </p14:section>
+        <p14:section name="To be continue" id="{FEF18020-CFAA-4CCC-BF2D-B3B19DD36CC3}">
+          <p14:sldIdLst>
+            <p14:sldId id="266"/>
+            <p14:sldId id="267"/>
+            <p14:sldId id="268"/>
+          </p14:sldIdLst>
+        </p14:section>
+      </p14:sectionLst>
+    </p:ext>
     <p:ext uri="{EFAFB233-063F-42B5-8137-9DF3F51BA10A}">
       <p15:sldGuideLst xmlns:p15="http://schemas.microsoft.com/office/powerpoint/2012/main"/>
     </p:ext>
@@ -424,7 +449,7 @@
           <a:p>
             <a:fld id="{02AC24A9-CCB6-4F8D-B8DB-C2F3692CFA5A}" type="datetimeFigureOut">
               <a:rPr lang="en-US" smtClean="0"/>
-              <a:t>9/19/2024</a:t>
+              <a:t>9/18/2025</a:t>
             </a:fld>
             <a:endParaRPr lang="en-US" dirty="0"/>
           </a:p>
@@ -794,7 +819,7 @@
           <a:p>
             <a:fld id="{02AC24A9-CCB6-4F8D-B8DB-C2F3692CFA5A}" type="datetimeFigureOut">
               <a:rPr lang="en-US" smtClean="0"/>
-              <a:t>9/19/2024</a:t>
+              <a:t>9/18/2025</a:t>
             </a:fld>
             <a:endParaRPr lang="en-US"/>
           </a:p>
@@ -1003,7 +1028,7 @@
           <a:p>
             <a:fld id="{02AC24A9-CCB6-4F8D-B8DB-C2F3692CFA5A}" type="datetimeFigureOut">
               <a:rPr lang="en-US" smtClean="0"/>
-              <a:t>9/19/2024</a:t>
+              <a:t>9/18/2025</a:t>
             </a:fld>
             <a:endParaRPr lang="en-US"/>
           </a:p>
@@ -1473,7 +1498,7 @@
           <a:p>
             <a:fld id="{02AC24A9-CCB6-4F8D-B8DB-C2F3692CFA5A}" type="datetimeFigureOut">
               <a:rPr lang="en-US" smtClean="0"/>
-              <a:t>9/19/2024</a:t>
+              <a:t>9/18/2025</a:t>
             </a:fld>
             <a:endParaRPr lang="en-US"/>
           </a:p>
@@ -1927,7 +1952,7 @@
           <a:p>
             <a:fld id="{02AC24A9-CCB6-4F8D-B8DB-C2F3692CFA5A}" type="datetimeFigureOut">
               <a:rPr lang="en-US" smtClean="0"/>
-              <a:t>9/19/2024</a:t>
+              <a:t>9/18/2025</a:t>
             </a:fld>
             <a:endParaRPr lang="en-US"/>
           </a:p>
@@ -2459,7 +2484,7 @@
           <a:p>
             <a:fld id="{02AC24A9-CCB6-4F8D-B8DB-C2F3692CFA5A}" type="datetimeFigureOut">
               <a:rPr lang="en-US" smtClean="0"/>
-              <a:t>9/19/2024</a:t>
+              <a:t>9/18/2025</a:t>
             </a:fld>
             <a:endParaRPr lang="en-US"/>
           </a:p>
@@ -3158,7 +3183,7 @@
           <a:p>
             <a:fld id="{02AC24A9-CCB6-4F8D-B8DB-C2F3692CFA5A}" type="datetimeFigureOut">
               <a:rPr lang="en-US" smtClean="0"/>
-              <a:t>9/19/2024</a:t>
+              <a:t>9/18/2025</a:t>
             </a:fld>
             <a:endParaRPr lang="en-US"/>
           </a:p>
@@ -3487,7 +3512,7 @@
           <a:p>
             <a:fld id="{02AC24A9-CCB6-4F8D-B8DB-C2F3692CFA5A}" type="datetimeFigureOut">
               <a:rPr lang="en-US" smtClean="0"/>
-              <a:t>9/19/2024</a:t>
+              <a:t>9/18/2025</a:t>
             </a:fld>
             <a:endParaRPr lang="en-US"/>
           </a:p>
@@ -3600,7 +3625,7 @@
           <a:p>
             <a:fld id="{02AC24A9-CCB6-4F8D-B8DB-C2F3692CFA5A}" type="datetimeFigureOut">
               <a:rPr lang="en-US" smtClean="0"/>
-              <a:t>9/19/2024</a:t>
+              <a:t>9/18/2025</a:t>
             </a:fld>
             <a:endParaRPr lang="en-US"/>
           </a:p>
@@ -4095,7 +4120,7 @@
           <a:p>
             <a:fld id="{02AC24A9-CCB6-4F8D-B8DB-C2F3692CFA5A}" type="datetimeFigureOut">
               <a:rPr lang="en-US" smtClean="0"/>
-              <a:t>9/19/2024</a:t>
+              <a:t>9/18/2025</a:t>
             </a:fld>
             <a:endParaRPr lang="en-US" dirty="0"/>
           </a:p>
@@ -4572,7 +4597,7 @@
           <a:p>
             <a:fld id="{02AC24A9-CCB6-4F8D-B8DB-C2F3692CFA5A}" type="datetimeFigureOut">
               <a:rPr lang="en-US" smtClean="0"/>
-              <a:t>9/19/2024</a:t>
+              <a:t>9/18/2025</a:t>
             </a:fld>
             <a:endParaRPr lang="en-US"/>
           </a:p>
@@ -4815,7 +4840,7 @@
           <a:p>
             <a:fld id="{02AC24A9-CCB6-4F8D-B8DB-C2F3692CFA5A}" type="datetimeFigureOut">
               <a:rPr lang="en-US" smtClean="0"/>
-              <a:t>9/19/2024</a:t>
+              <a:t>9/18/2025</a:t>
             </a:fld>
             <a:endParaRPr lang="en-US"/>
           </a:p>
